--- a/04-enums and Strings.pptx
+++ b/04-enums and Strings.pptx
@@ -11,7 +11,7 @@
     <p:handoutMasterId r:id="rId17"/>
   </p:handoutMasterIdLst>
   <p:sldIdLst>
-    <p:sldId id="1555" r:id="rId5"/>
+    <p:sldId id="1560" r:id="rId5"/>
     <p:sldId id="1557" r:id="rId6"/>
     <p:sldId id="269" r:id="rId7"/>
     <p:sldId id="1559" r:id="rId8"/>
@@ -253,7 +253,7 @@
           <a:p>
             <a:fld id="{86D088FE-3E68-47FE-8BA4-634CD34BABBC}" type="datetimeFigureOut">
               <a:rPr lang="en-GB" smtClean="0"/>
-              <a:t>04/12/2025</a:t>
+              <a:t>05/12/2025</a:t>
             </a:fld>
             <a:endParaRPr lang="en-GB"/>
           </a:p>
@@ -418,7 +418,7 @@
           <a:p>
             <a:fld id="{1D6B66C6-1E92-0F4E-A300-9D4ED1F0C23F}" type="datetimeFigureOut">
               <a:rPr lang="en-GB" smtClean="0"/>
-              <a:t>04/12/2025</a:t>
+              <a:t>05/12/2025</a:t>
             </a:fld>
             <a:endParaRPr lang="en-GB"/>
           </a:p>
@@ -705,6 +705,90 @@
       </p:grpSpPr>
       <p:sp>
         <p:nvSpPr>
+          <p:cNvPr id="2" name="Slide Image Placeholder 1"/>
+          <p:cNvSpPr>
+            <a:spLocks noGrp="1" noRot="1" noChangeAspect="1"/>
+          </p:cNvSpPr>
+          <p:nvPr>
+            <p:ph type="sldImg"/>
+          </p:nvPr>
+        </p:nvSpPr>
+        <p:spPr/>
+      </p:sp>
+      <p:sp>
+        <p:nvSpPr>
+          <p:cNvPr id="3" name="Notes Placeholder 2"/>
+          <p:cNvSpPr>
+            <a:spLocks noGrp="1"/>
+          </p:cNvSpPr>
+          <p:nvPr>
+            <p:ph type="body" idx="1"/>
+          </p:nvPr>
+        </p:nvSpPr>
+        <p:spPr/>
+        <p:txBody>
+          <a:bodyPr/>
+          <a:lstStyle/>
+          <a:p>
+            <a:endParaRPr lang="en-US"/>
+          </a:p>
+        </p:txBody>
+      </p:sp>
+      <p:sp>
+        <p:nvSpPr>
+          <p:cNvPr id="4" name="Slide Number Placeholder 3"/>
+          <p:cNvSpPr>
+            <a:spLocks noGrp="1"/>
+          </p:cNvSpPr>
+          <p:nvPr>
+            <p:ph type="sldNum" sz="quarter" idx="5"/>
+          </p:nvPr>
+        </p:nvSpPr>
+        <p:spPr/>
+        <p:txBody>
+          <a:bodyPr/>
+          <a:lstStyle/>
+          <a:p>
+            <a:fld id="{35BE1F5F-BEC2-48D5-A890-C07C79853E26}" type="slidenum">
+              <a:rPr lang="en-GB" smtClean="0"/>
+              <a:t>1</a:t>
+            </a:fld>
+            <a:endParaRPr lang="en-GB"/>
+          </a:p>
+        </p:txBody>
+      </p:sp>
+    </p:spTree>
+    <p:extLst>
+      <p:ext uri="{BB962C8B-B14F-4D97-AF65-F5344CB8AC3E}">
+        <p14:creationId xmlns:p14="http://schemas.microsoft.com/office/powerpoint/2010/main" val="2546931957"/>
+      </p:ext>
+    </p:extLst>
+  </p:cSld>
+  <p:clrMapOvr>
+    <a:masterClrMapping/>
+  </p:clrMapOvr>
+</p:notes>
+</file>
+
+<file path=ppt/notesSlides/notesSlide2.xml><?xml version="1.0" encoding="utf-8"?>
+<p:notes xmlns:a="http://schemas.openxmlformats.org/drawingml/2006/main" xmlns:r="http://schemas.openxmlformats.org/officeDocument/2006/relationships" xmlns:p="http://schemas.openxmlformats.org/presentationml/2006/main">
+  <p:cSld>
+    <p:spTree>
+      <p:nvGrpSpPr>
+        <p:cNvPr id="1" name=""/>
+        <p:cNvGrpSpPr/>
+        <p:nvPr/>
+      </p:nvGrpSpPr>
+      <p:grpSpPr>
+        <a:xfrm>
+          <a:off x="0" y="0"/>
+          <a:ext cx="0" cy="0"/>
+          <a:chOff x="0" y="0"/>
+          <a:chExt cx="0" cy="0"/>
+        </a:xfrm>
+      </p:grpSpPr>
+      <p:sp>
+        <p:nvSpPr>
           <p:cNvPr id="36866" name="Rectangle 2"/>
           <p:cNvSpPr>
             <a:spLocks noGrp="1" noRot="1" noChangeAspect="1" noChangeArrowheads="1" noTextEdit="1"/>
@@ -752,7 +836,7 @@
 </p:notes>
 </file>
 
-<file path=ppt/notesSlides/notesSlide2.xml><?xml version="1.0" encoding="utf-8"?>
+<file path=ppt/notesSlides/notesSlide3.xml><?xml version="1.0" encoding="utf-8"?>
 <p:notes xmlns:a="http://schemas.openxmlformats.org/drawingml/2006/main" xmlns:r="http://schemas.openxmlformats.org/officeDocument/2006/relationships" xmlns:p="http://schemas.openxmlformats.org/presentationml/2006/main">
   <p:cSld>
     <p:spTree>
@@ -898,7 +982,7 @@
 </p:notes>
 </file>
 
-<file path=ppt/notesSlides/notesSlide3.xml><?xml version="1.0" encoding="utf-8"?>
+<file path=ppt/notesSlides/notesSlide4.xml><?xml version="1.0" encoding="utf-8"?>
 <p:notes xmlns:a="http://schemas.openxmlformats.org/drawingml/2006/main" xmlns:r="http://schemas.openxmlformats.org/officeDocument/2006/relationships" xmlns:p="http://schemas.openxmlformats.org/presentationml/2006/main">
   <p:cSld>
     <p:spTree>
@@ -1196,7 +1280,7 @@
 </p:notes>
 </file>
 
-<file path=ppt/notesSlides/notesSlide4.xml><?xml version="1.0" encoding="utf-8"?>
+<file path=ppt/notesSlides/notesSlide5.xml><?xml version="1.0" encoding="utf-8"?>
 <p:notes xmlns:a="http://schemas.openxmlformats.org/drawingml/2006/main" xmlns:r="http://schemas.openxmlformats.org/officeDocument/2006/relationships" xmlns:p="http://schemas.openxmlformats.org/presentationml/2006/main">
   <p:cSld>
     <p:spTree>
@@ -1268,7 +1352,7 @@
 </p:notes>
 </file>
 
-<file path=ppt/notesSlides/notesSlide5.xml><?xml version="1.0" encoding="utf-8"?>
+<file path=ppt/notesSlides/notesSlide6.xml><?xml version="1.0" encoding="utf-8"?>
 <p:notes xmlns:a="http://schemas.openxmlformats.org/drawingml/2006/main" xmlns:r="http://schemas.openxmlformats.org/officeDocument/2006/relationships" xmlns:p="http://schemas.openxmlformats.org/presentationml/2006/main">
   <p:cSld>
     <p:spTree>
@@ -1385,7 +1469,7 @@
 </p:notes>
 </file>
 
-<file path=ppt/notesSlides/notesSlide6.xml><?xml version="1.0" encoding="utf-8"?>
+<file path=ppt/notesSlides/notesSlide7.xml><?xml version="1.0" encoding="utf-8"?>
 <p:notes xmlns:a="http://schemas.openxmlformats.org/drawingml/2006/main" xmlns:r="http://schemas.openxmlformats.org/officeDocument/2006/relationships" xmlns:p="http://schemas.openxmlformats.org/presentationml/2006/main">
   <p:cSld>
     <p:spTree>
@@ -1448,7 +1532,7 @@
 </p:notes>
 </file>
 
-<file path=ppt/notesSlides/notesSlide7.xml><?xml version="1.0" encoding="utf-8"?>
+<file path=ppt/notesSlides/notesSlide8.xml><?xml version="1.0" encoding="utf-8"?>
 <p:notes xmlns:a="http://schemas.openxmlformats.org/drawingml/2006/main" xmlns:r="http://schemas.openxmlformats.org/officeDocument/2006/relationships" xmlns:p="http://schemas.openxmlformats.org/presentationml/2006/main">
   <p:cSld>
     <p:spTree>
@@ -19176,6 +19260,245 @@
 </p:sldLayout>
 </file>
 
+<file path=ppt/slideLayouts/slideLayout37.xml><?xml version="1.0" encoding="utf-8"?>
+<p:sldLayout xmlns:a="http://schemas.openxmlformats.org/drawingml/2006/main" xmlns:r="http://schemas.openxmlformats.org/officeDocument/2006/relationships" xmlns:p="http://schemas.openxmlformats.org/presentationml/2006/main" type="title">
+  <p:cSld name="Purple_divider">
+    <p:bg>
+      <p:bgPr>
+        <a:blipFill dpi="0" rotWithShape="1">
+          <a:blip r:embed="rId2">
+            <a:lum/>
+          </a:blip>
+          <a:srcRect/>
+          <a:stretch>
+            <a:fillRect/>
+          </a:stretch>
+        </a:blipFill>
+        <a:effectLst/>
+      </p:bgPr>
+    </p:bg>
+    <p:spTree>
+      <p:nvGrpSpPr>
+        <p:cNvPr id="1" name=""/>
+        <p:cNvGrpSpPr/>
+        <p:nvPr/>
+      </p:nvGrpSpPr>
+      <p:grpSpPr>
+        <a:xfrm>
+          <a:off x="0" y="0"/>
+          <a:ext cx="0" cy="0"/>
+          <a:chOff x="0" y="0"/>
+          <a:chExt cx="0" cy="0"/>
+        </a:xfrm>
+      </p:grpSpPr>
+      <p:pic>
+        <p:nvPicPr>
+          <p:cNvPr id="5" name="Picture 4">
+            <a:extLst>
+              <a:ext uri="{FF2B5EF4-FFF2-40B4-BE49-F238E27FC236}">
+                <a16:creationId xmlns:a16="http://schemas.microsoft.com/office/drawing/2014/main" id="{AB0B8D50-2C63-2F2E-599F-E921BF1F757F}"/>
+              </a:ext>
+              <a:ext uri="{C183D7F6-B498-43B3-948B-1728B52AA6E4}">
+                <adec:decorative xmlns:adec="http://schemas.microsoft.com/office/drawing/2017/decorative" val="1"/>
+              </a:ext>
+            </a:extLst>
+          </p:cNvPr>
+          <p:cNvPicPr>
+            <a:picLocks noChangeAspect="1"/>
+          </p:cNvPicPr>
+          <p:nvPr userDrawn="1"/>
+        </p:nvPicPr>
+        <p:blipFill>
+          <a:blip r:embed="rId3"/>
+          <a:stretch>
+            <a:fillRect/>
+          </a:stretch>
+        </p:blipFill>
+        <p:spPr>
+          <a:xfrm>
+            <a:off x="0" y="898802"/>
+            <a:ext cx="8062294" cy="1684800"/>
+          </a:xfrm>
+          <a:prstGeom prst="rect">
+            <a:avLst/>
+          </a:prstGeom>
+        </p:spPr>
+      </p:pic>
+      <p:sp>
+        <p:nvSpPr>
+          <p:cNvPr id="2" name="Title 1">
+            <a:extLst>
+              <a:ext uri="{FF2B5EF4-FFF2-40B4-BE49-F238E27FC236}">
+                <a16:creationId xmlns:a16="http://schemas.microsoft.com/office/drawing/2014/main" id="{909D855A-1A49-ADBE-89C8-65ECAFD2AAB3}"/>
+              </a:ext>
+            </a:extLst>
+          </p:cNvPr>
+          <p:cNvSpPr>
+            <a:spLocks noGrp="1"/>
+          </p:cNvSpPr>
+          <p:nvPr>
+            <p:ph type="ctrTitle"/>
+          </p:nvPr>
+        </p:nvSpPr>
+        <p:spPr>
+          <a:xfrm>
+            <a:off x="473406" y="1118152"/>
+            <a:ext cx="6777996" cy="1247916"/>
+          </a:xfrm>
+          <a:prstGeom prst="rect">
+            <a:avLst/>
+          </a:prstGeom>
+          <a:ln>
+            <a:noFill/>
+          </a:ln>
+        </p:spPr>
+        <p:txBody>
+          <a:bodyPr lIns="0" rIns="0" anchor="ctr"/>
+          <a:lstStyle>
+            <a:lvl1pPr algn="l">
+              <a:lnSpc>
+                <a:spcPct val="100000"/>
+              </a:lnSpc>
+              <a:defRPr sz="3600">
+                <a:solidFill>
+                  <a:schemeClr val="tx1"/>
+                </a:solidFill>
+              </a:defRPr>
+            </a:lvl1pPr>
+          </a:lstStyle>
+          <a:p>
+            <a:endParaRPr lang="en-GB"/>
+          </a:p>
+        </p:txBody>
+      </p:sp>
+      <p:sp>
+        <p:nvSpPr>
+          <p:cNvPr id="3" name="Subtitle 2">
+            <a:extLst>
+              <a:ext uri="{FF2B5EF4-FFF2-40B4-BE49-F238E27FC236}">
+                <a16:creationId xmlns:a16="http://schemas.microsoft.com/office/drawing/2014/main" id="{994AF8D4-DACD-9AF9-364C-02C474BC62A5}"/>
+              </a:ext>
+            </a:extLst>
+          </p:cNvPr>
+          <p:cNvSpPr>
+            <a:spLocks noGrp="1"/>
+          </p:cNvSpPr>
+          <p:nvPr>
+            <p:ph type="subTitle" idx="1"/>
+          </p:nvPr>
+        </p:nvSpPr>
+        <p:spPr>
+          <a:xfrm>
+            <a:off x="473406" y="2902689"/>
+            <a:ext cx="6150678" cy="863600"/>
+          </a:xfrm>
+          <a:prstGeom prst="rect">
+            <a:avLst/>
+          </a:prstGeom>
+          <a:ln>
+            <a:noFill/>
+          </a:ln>
+        </p:spPr>
+        <p:txBody>
+          <a:bodyPr lIns="0" rIns="0" anchor="t"/>
+          <a:lstStyle>
+            <a:lvl1pPr marL="0" indent="0" algn="l">
+              <a:buNone/>
+              <a:defRPr sz="1800">
+                <a:solidFill>
+                  <a:schemeClr val="tx1"/>
+                </a:solidFill>
+              </a:defRPr>
+            </a:lvl1pPr>
+            <a:lvl2pPr marL="457200" indent="0" algn="ctr">
+              <a:buNone/>
+              <a:defRPr sz="2000"/>
+            </a:lvl2pPr>
+            <a:lvl3pPr marL="914400" indent="0" algn="ctr">
+              <a:buNone/>
+              <a:defRPr sz="1800"/>
+            </a:lvl3pPr>
+            <a:lvl4pPr marL="1371600" indent="0" algn="ctr">
+              <a:buNone/>
+              <a:defRPr sz="1600"/>
+            </a:lvl4pPr>
+            <a:lvl5pPr marL="1828800" indent="0" algn="ctr">
+              <a:buNone/>
+              <a:defRPr sz="1600"/>
+            </a:lvl5pPr>
+            <a:lvl6pPr marL="2286000" indent="0" algn="ctr">
+              <a:buNone/>
+              <a:defRPr sz="1600"/>
+            </a:lvl6pPr>
+            <a:lvl7pPr marL="2743200" indent="0" algn="ctr">
+              <a:buNone/>
+              <a:defRPr sz="1600"/>
+            </a:lvl7pPr>
+            <a:lvl8pPr marL="3200400" indent="0" algn="ctr">
+              <a:buNone/>
+              <a:defRPr sz="1600"/>
+            </a:lvl8pPr>
+            <a:lvl9pPr marL="3657600" indent="0" algn="ctr">
+              <a:buNone/>
+              <a:defRPr sz="1600"/>
+            </a:lvl9pPr>
+          </a:lstStyle>
+          <a:p>
+            <a:endParaRPr lang="en-GB"/>
+          </a:p>
+        </p:txBody>
+      </p:sp>
+      <p:pic>
+        <p:nvPicPr>
+          <p:cNvPr id="9" name="Picture 8">
+            <a:extLst>
+              <a:ext uri="{FF2B5EF4-FFF2-40B4-BE49-F238E27FC236}">
+                <a16:creationId xmlns:a16="http://schemas.microsoft.com/office/drawing/2014/main" id="{ADC96ABF-C649-123E-FBF1-598689C3D553}"/>
+              </a:ext>
+              <a:ext uri="{C183D7F6-B498-43B3-948B-1728B52AA6E4}">
+                <adec:decorative xmlns:adec="http://schemas.microsoft.com/office/drawing/2017/decorative" val="1"/>
+              </a:ext>
+            </a:extLst>
+          </p:cNvPr>
+          <p:cNvPicPr>
+            <a:picLocks noChangeAspect="1"/>
+          </p:cNvPicPr>
+          <p:nvPr userDrawn="1"/>
+        </p:nvPicPr>
+        <p:blipFill>
+          <a:blip r:embed="rId4"/>
+          <a:stretch>
+            <a:fillRect/>
+          </a:stretch>
+        </p:blipFill>
+        <p:spPr>
+          <a:xfrm>
+            <a:off x="473406" y="5650088"/>
+            <a:ext cx="1972082" cy="650979"/>
+          </a:xfrm>
+          <a:prstGeom prst="rect">
+            <a:avLst/>
+          </a:prstGeom>
+        </p:spPr>
+      </p:pic>
+    </p:spTree>
+    <p:extLst>
+      <p:ext uri="{BB962C8B-B14F-4D97-AF65-F5344CB8AC3E}">
+        <p14:creationId xmlns:p14="http://schemas.microsoft.com/office/powerpoint/2010/main" val="81110362"/>
+      </p:ext>
+    </p:extLst>
+  </p:cSld>
+  <p:clrMapOvr>
+    <a:masterClrMapping/>
+  </p:clrMapOvr>
+  <p:extLst>
+    <p:ext uri="{DCECCB84-F9BA-43D5-87BE-67443E8EF086}">
+      <p15:sldGuideLst xmlns:p15="http://schemas.microsoft.com/office/powerpoint/2012/main"/>
+    </p:ext>
+  </p:extLst>
+</p:sldLayout>
+</file>
+
 <file path=ppt/slideLayouts/slideLayout4.xml><?xml version="1.0" encoding="utf-8"?>
 <p:sldLayout xmlns:a="http://schemas.openxmlformats.org/drawingml/2006/main" xmlns:r="http://schemas.openxmlformats.org/officeDocument/2006/relationships" xmlns:p="http://schemas.openxmlformats.org/presentationml/2006/main" showMasterSp="0" preserve="1" userDrawn="1">
   <p:cSld name="Action Tips">
@@ -22760,6 +23083,7 @@
     <p:sldLayoutId id="2147483797" r:id="rId34"/>
     <p:sldLayoutId id="2147483814" r:id="rId35"/>
     <p:sldLayoutId id="2147483906" r:id="rId36"/>
+    <p:sldLayoutId id="2147483907" r:id="rId37"/>
   </p:sldLayoutIdLst>
   <p:hf hdr="0" dt="0"/>
   <p:txStyles>
@@ -22818,7 +23142,7 @@
         <a:buSzPct val="125000"/>
         <a:buFontTx/>
         <a:buBlip>
-          <a:blip r:embed="rId38"/>
+          <a:blip r:embed="rId39"/>
         </a:buBlip>
         <a:tabLst/>
         <a:defRPr sz="2000" b="0" kern="1200">
@@ -22843,7 +23167,7 @@
         <a:buSzPct val="120000"/>
         <a:buFontTx/>
         <a:buBlip>
-          <a:blip r:embed="rId38"/>
+          <a:blip r:embed="rId39"/>
         </a:buBlip>
         <a:tabLst/>
         <a:defRPr sz="2000" b="0" i="0" kern="1200">
@@ -22868,7 +23192,7 @@
         <a:buSzPct val="120000"/>
         <a:buFontTx/>
         <a:buBlip>
-          <a:blip r:embed="rId38"/>
+          <a:blip r:embed="rId39"/>
         </a:buBlip>
         <a:tabLst/>
         <a:defRPr sz="2000" b="0" kern="1200">
@@ -22893,7 +23217,7 @@
         <a:buSzPct val="125000"/>
         <a:buFontTx/>
         <a:buBlip>
-          <a:blip r:embed="rId38"/>
+          <a:blip r:embed="rId39"/>
         </a:buBlip>
         <a:tabLst/>
         <a:defRPr sz="2000" b="0" kern="1200">
@@ -23242,32 +23566,13 @@
       </p:grpSpPr>
       <p:sp>
         <p:nvSpPr>
-          <p:cNvPr id="2" name="Text Placeholder 1">
+          <p:cNvPr id="4" name="Title 3">
             <a:extLst>
               <a:ext uri="{FF2B5EF4-FFF2-40B4-BE49-F238E27FC236}">
-                <a16:creationId xmlns:a16="http://schemas.microsoft.com/office/drawing/2014/main" id="{E60C1DA5-F3A6-4B25-9C76-11E59081E777}"/>
+                <a16:creationId xmlns:a16="http://schemas.microsoft.com/office/drawing/2014/main" id="{6B10A2E5-A3AA-7BE3-7C87-983A58C15C46}"/>
               </a:ext>
             </a:extLst>
           </p:cNvPr>
-          <p:cNvSpPr>
-            <a:spLocks noGrp="1"/>
-          </p:cNvSpPr>
-          <p:nvPr>
-            <p:ph type="body" sz="quarter" idx="12"/>
-          </p:nvPr>
-        </p:nvSpPr>
-        <p:spPr/>
-        <p:txBody>
-          <a:bodyPr/>
-          <a:lstStyle/>
-          <a:p>
-            <a:endParaRPr lang="en-IN"/>
-          </a:p>
-        </p:txBody>
-      </p:sp>
-      <p:sp>
-        <p:nvSpPr>
-          <p:cNvPr id="4" name="Title 3"/>
           <p:cNvSpPr>
             <a:spLocks noGrp="1"/>
           </p:cNvSpPr>
@@ -23286,23 +23591,40 @@
             </a:r>
             <a:r>
               <a:rPr lang="en-US" dirty="0"/>
-              <a:t> </a:t>
-            </a:r>
-            <a:br>
-              <a:rPr lang="en-US" dirty="0"/>
-            </a:br>
-            <a:r>
-              <a:rPr lang="en-US" dirty="0"/>
-              <a:t>and String</a:t>
-            </a:r>
-            <a:endParaRPr lang="en-IN" dirty="0"/>
+              <a:t> and String</a:t>
+            </a:r>
+          </a:p>
+        </p:txBody>
+      </p:sp>
+      <p:sp>
+        <p:nvSpPr>
+          <p:cNvPr id="3" name="Subtitle 2">
+            <a:extLst>
+              <a:ext uri="{FF2B5EF4-FFF2-40B4-BE49-F238E27FC236}">
+                <a16:creationId xmlns:a16="http://schemas.microsoft.com/office/drawing/2014/main" id="{52534D79-CFC0-C4F4-AD12-F13DBCAB1A97}"/>
+              </a:ext>
+            </a:extLst>
+          </p:cNvPr>
+          <p:cNvSpPr>
+            <a:spLocks noGrp="1"/>
+          </p:cNvSpPr>
+          <p:nvPr>
+            <p:ph type="subTitle" idx="1"/>
+          </p:nvPr>
+        </p:nvSpPr>
+        <p:spPr/>
+        <p:txBody>
+          <a:bodyPr/>
+          <a:lstStyle/>
+          <a:p>
+            <a:endParaRPr lang="en-GB"/>
           </a:p>
         </p:txBody>
       </p:sp>
     </p:spTree>
     <p:extLst>
       <p:ext uri="{BB962C8B-B14F-4D97-AF65-F5344CB8AC3E}">
-        <p14:creationId xmlns:p14="http://schemas.microsoft.com/office/powerpoint/2010/main" val="1088406378"/>
+        <p14:creationId xmlns:p14="http://schemas.microsoft.com/office/powerpoint/2010/main" val="1003932267"/>
       </p:ext>
     </p:extLst>
   </p:cSld>
@@ -30719,32 +31041,6 @@
 </file>
 
 <file path=customXml/item1.xml><?xml version="1.0" encoding="utf-8"?>
-<p:properties xmlns:p="http://schemas.microsoft.com/office/2006/metadata/properties" xmlns:xsi="http://www.w3.org/2001/XMLSchema-instance" xmlns:pc="http://schemas.microsoft.com/office/infopath/2007/PartnerControls">
-  <documentManagement>
-    <SequenceNumber xmlns="6794D9DE-4FDF-4DC0-8B2C-5438320C69D5" xsi:nil="true"/>
-    <IsBuildFile xmlns="6794D9DE-4FDF-4DC0-8B2C-5438320C69D5" xsi:nil="true"/>
-    <BookTypeField0 xmlns="6794D9DE-4FDF-4DC0-8B2C-5438320C69D5">
-      <Terms xmlns="http://schemas.microsoft.com/office/infopath/2007/PartnerControls">
-        <TermInfo xmlns="http://schemas.microsoft.com/office/infopath/2007/PartnerControls">
-          <TermName xmlns="http://schemas.microsoft.com/office/infopath/2007/PartnerControls">IK</TermName>
-          <TermId xmlns="http://schemas.microsoft.com/office/infopath/2007/PartnerControls">5abe6401-e87a-4499-80b4-3d21a1a6ebd7</TermId>
-        </TermInfo>
-      </Terms>
-    </BookTypeField0>
-  </documentManagement>
-</p:properties>
-</file>
-
-<file path=customXml/item2.xml><?xml version="1.0" encoding="utf-8"?>
-<?mso-contentType ?>
-<FormTemplates xmlns="http://schemas.microsoft.com/sharepoint/v3/contenttype/forms">
-  <Display>DocumentLibraryForm</Display>
-  <Edit>DocumentLibraryForm</Edit>
-  <New>DocumentLibraryForm</New>
-</FormTemplates>
-</file>
-
-<file path=customXml/item3.xml><?xml version="1.0" encoding="utf-8"?>
 <ct:contentTypeSchema xmlns:ct="http://schemas.microsoft.com/office/2006/metadata/contentType" xmlns:ma="http://schemas.microsoft.com/office/2006/metadata/properties/metaAttributes" ct:_="" ma:_="" ma:contentTypeName="Courseware" ma:contentTypeID="0x010100F0967B7CEE8D417F966757887D9466FB00B3EF5B1D149FDF49B1880C030D548140" ma:contentTypeVersion="0" ma:contentTypeDescription="Base content type which represents courseware documents" ma:contentTypeScope="" ma:versionID="ab0d7ca79e0ea5a537b031f986da336c">
   <xsd:schema xmlns:xsd="http://www.w3.org/2001/XMLSchema" xmlns:xs="http://www.w3.org/2001/XMLSchema" xmlns:p="http://schemas.microsoft.com/office/2006/metadata/properties" xmlns:ns2="6794D9DE-4FDF-4DC0-8B2C-5438320C69D5" targetNamespace="http://schemas.microsoft.com/office/2006/metadata/properties" ma:root="true" ma:fieldsID="7ff8e7c62cc10108c036e94c947d8fb9" ns2:_="">
     <xsd:import namespace="6794D9DE-4FDF-4DC0-8B2C-5438320C69D5"/>
@@ -30884,25 +31180,33 @@
 </ct:contentTypeSchema>
 </file>
 
-<file path=customXml/itemProps1.xml><?xml version="1.0" encoding="utf-8"?>
-<ds:datastoreItem xmlns:ds="http://schemas.openxmlformats.org/officeDocument/2006/customXml" ds:itemID="{E9DDB195-2A36-4352-B80E-2793AA1BAD86}">
-  <ds:schemaRefs>
-    <ds:schemaRef ds:uri="http://schemas.microsoft.com/office/2006/metadata/properties"/>
-    <ds:schemaRef ds:uri="http://schemas.microsoft.com/office/infopath/2007/PartnerControls"/>
-    <ds:schemaRef ds:uri="6794D9DE-4FDF-4DC0-8B2C-5438320C69D5"/>
-  </ds:schemaRefs>
-</ds:datastoreItem>
+<file path=customXml/item2.xml><?xml version="1.0" encoding="utf-8"?>
+<?mso-contentType ?>
+<FormTemplates xmlns="http://schemas.microsoft.com/sharepoint/v3/contenttype/forms">
+  <Display>DocumentLibraryForm</Display>
+  <Edit>DocumentLibraryForm</Edit>
+  <New>DocumentLibraryForm</New>
+</FormTemplates>
 </file>
 
-<file path=customXml/itemProps2.xml><?xml version="1.0" encoding="utf-8"?>
-<ds:datastoreItem xmlns:ds="http://schemas.openxmlformats.org/officeDocument/2006/customXml" ds:itemID="{D6E1CB9A-5EC4-425A-85D0-28DD43E2C0C8}">
-  <ds:schemaRefs>
-    <ds:schemaRef ds:uri="http://schemas.microsoft.com/sharepoint/v3/contenttype/forms"/>
-  </ds:schemaRefs>
-</ds:datastoreItem>
+<file path=customXml/item3.xml><?xml version="1.0" encoding="utf-8"?>
+<p:properties xmlns:p="http://schemas.microsoft.com/office/2006/metadata/properties" xmlns:xsi="http://www.w3.org/2001/XMLSchema-instance" xmlns:pc="http://schemas.microsoft.com/office/infopath/2007/PartnerControls">
+  <documentManagement>
+    <SequenceNumber xmlns="6794D9DE-4FDF-4DC0-8B2C-5438320C69D5" xsi:nil="true"/>
+    <IsBuildFile xmlns="6794D9DE-4FDF-4DC0-8B2C-5438320C69D5" xsi:nil="true"/>
+    <BookTypeField0 xmlns="6794D9DE-4FDF-4DC0-8B2C-5438320C69D5">
+      <Terms xmlns="http://schemas.microsoft.com/office/infopath/2007/PartnerControls">
+        <TermInfo xmlns="http://schemas.microsoft.com/office/infopath/2007/PartnerControls">
+          <TermName xmlns="http://schemas.microsoft.com/office/infopath/2007/PartnerControls">IK</TermName>
+          <TermId xmlns="http://schemas.microsoft.com/office/infopath/2007/PartnerControls">5abe6401-e87a-4499-80b4-3d21a1a6ebd7</TermId>
+        </TermInfo>
+      </Terms>
+    </BookTypeField0>
+  </documentManagement>
+</p:properties>
 </file>
 
-<file path=customXml/itemProps3.xml><?xml version="1.0" encoding="utf-8"?>
+<file path=customXml/itemProps1.xml><?xml version="1.0" encoding="utf-8"?>
 <ds:datastoreItem xmlns:ds="http://schemas.openxmlformats.org/officeDocument/2006/customXml" ds:itemID="{DBD51E68-90DB-4350-A500-7CA85ABA4F4A}">
   <ds:schemaRefs>
     <ds:schemaRef ds:uri="http://schemas.microsoft.com/office/2006/metadata/contentType"/>
@@ -30918,4 +31222,22 @@
     <ds:schemaRef ds:uri="http://schemas.microsoft.com/internal/obd"/>
   </ds:schemaRefs>
 </ds:datastoreItem>
+</file>
+
+<file path=customXml/itemProps2.xml><?xml version="1.0" encoding="utf-8"?>
+<ds:datastoreItem xmlns:ds="http://schemas.openxmlformats.org/officeDocument/2006/customXml" ds:itemID="{D6E1CB9A-5EC4-425A-85D0-28DD43E2C0C8}">
+  <ds:schemaRefs>
+    <ds:schemaRef ds:uri="http://schemas.microsoft.com/sharepoint/v3/contenttype/forms"/>
+  </ds:schemaRefs>
+</ds:datastoreItem>
+</file>
+
+<file path=customXml/itemProps3.xml><?xml version="1.0" encoding="utf-8"?>
+<ds:datastoreItem xmlns:ds="http://schemas.openxmlformats.org/officeDocument/2006/customXml" ds:itemID="{E9DDB195-2A36-4352-B80E-2793AA1BAD86}">
+  <ds:schemaRefs>
+    <ds:schemaRef ds:uri="http://schemas.microsoft.com/office/2006/metadata/properties"/>
+    <ds:schemaRef ds:uri="http://schemas.microsoft.com/office/infopath/2007/PartnerControls"/>
+    <ds:schemaRef ds:uri="6794D9DE-4FDF-4DC0-8B2C-5438320C69D5"/>
+  </ds:schemaRefs>
+</ds:datastoreItem>
 </file>
--- a/04-enums and Strings.pptx
+++ b/04-enums and Strings.pptx
@@ -25605,6 +25605,13 @@
               <a:srgbClr val="7E007C"/>
             </a:solidFill>
           </a:ln>
+          <a:effectLst>
+            <a:innerShdw blurRad="63500" dist="50800" dir="13500000">
+              <a:prstClr val="black">
+                <a:alpha val="50000"/>
+              </a:prstClr>
+            </a:innerShdw>
+          </a:effectLst>
         </p:spPr>
         <p:style>
           <a:lnRef idx="2">
@@ -25654,28 +25661,28 @@
             <a:avLst/>
           </a:prstGeom>
           <a:solidFill>
-            <a:schemeClr val="bg1"/>
+            <a:srgbClr val="7E007C">
+              <a:alpha val="25000"/>
+            </a:srgbClr>
           </a:solidFill>
           <a:ln w="19050">
             <a:solidFill>
-              <a:srgbClr val="7E007C"/>
+              <a:srgbClr val="004050"/>
             </a:solidFill>
           </a:ln>
         </p:spPr>
         <p:style>
-          <a:lnRef idx="2">
-            <a:schemeClr val="accent1">
-              <a:shade val="50000"/>
-            </a:schemeClr>
+          <a:lnRef idx="1">
+            <a:schemeClr val="accent6"/>
           </a:lnRef>
-          <a:fillRef idx="1">
-            <a:schemeClr val="accent1"/>
+          <a:fillRef idx="2">
+            <a:schemeClr val="accent6"/>
           </a:fillRef>
-          <a:effectRef idx="0">
-            <a:schemeClr val="accent1"/>
+          <a:effectRef idx="1">
+            <a:schemeClr val="accent6"/>
           </a:effectRef>
           <a:fontRef idx="minor">
-            <a:schemeClr val="lt1"/>
+            <a:schemeClr val="dk1"/>
           </a:fontRef>
         </p:style>
         <p:txBody>
@@ -25690,7 +25697,25 @@
                 </a:solidFill>
                 <a:cs typeface="Arial" pitchFamily="34" charset="0"/>
               </a:rPr>
-              <a:t>"Bob"</a:t>
+              <a:t>"</a:t>
+            </a:r>
+            <a:r>
+              <a:rPr lang="en-GB" sz="1400" b="1" dirty="0">
+                <a:solidFill>
+                  <a:schemeClr val="tx1"/>
+                </a:solidFill>
+                <a:cs typeface="Arial" pitchFamily="34" charset="0"/>
+              </a:rPr>
+              <a:t>Bob</a:t>
+            </a:r>
+            <a:r>
+              <a:rPr lang="en-GB" sz="1400" dirty="0">
+                <a:solidFill>
+                  <a:schemeClr val="tx1"/>
+                </a:solidFill>
+                <a:cs typeface="Arial" pitchFamily="34" charset="0"/>
+              </a:rPr>
+              <a:t>"</a:t>
             </a:r>
           </a:p>
         </p:txBody>
@@ -26176,6 +26201,13 @@
               <a:srgbClr val="7E007C"/>
             </a:solidFill>
           </a:ln>
+          <a:effectLst>
+            <a:innerShdw blurRad="63500" dist="50800" dir="13500000">
+              <a:prstClr val="black">
+                <a:alpha val="50000"/>
+              </a:prstClr>
+            </a:innerShdw>
+          </a:effectLst>
         </p:spPr>
         <p:style>
           <a:lnRef idx="2">
@@ -26225,28 +26257,28 @@
             <a:avLst/>
           </a:prstGeom>
           <a:solidFill>
-            <a:schemeClr val="bg1"/>
+            <a:srgbClr val="7E007C">
+              <a:alpha val="25000"/>
+            </a:srgbClr>
           </a:solidFill>
           <a:ln w="19050">
             <a:solidFill>
-              <a:srgbClr val="7E007C"/>
+              <a:srgbClr val="004050"/>
             </a:solidFill>
           </a:ln>
         </p:spPr>
         <p:style>
-          <a:lnRef idx="2">
-            <a:schemeClr val="accent1">
-              <a:shade val="50000"/>
-            </a:schemeClr>
+          <a:lnRef idx="1">
+            <a:schemeClr val="accent6"/>
           </a:lnRef>
-          <a:fillRef idx="1">
-            <a:schemeClr val="accent1"/>
+          <a:fillRef idx="2">
+            <a:schemeClr val="accent6"/>
           </a:fillRef>
-          <a:effectRef idx="0">
-            <a:schemeClr val="accent1"/>
+          <a:effectRef idx="1">
+            <a:schemeClr val="accent6"/>
           </a:effectRef>
           <a:fontRef idx="minor">
-            <a:schemeClr val="lt1"/>
+            <a:schemeClr val="dk1"/>
           </a:fontRef>
         </p:style>
         <p:txBody>
@@ -26261,7 +26293,25 @@
                 </a:solidFill>
                 <a:cs typeface="Arial" pitchFamily="34" charset="0"/>
               </a:rPr>
-              <a:t>"Bob"</a:t>
+              <a:t>"</a:t>
+            </a:r>
+            <a:r>
+              <a:rPr lang="en-GB" sz="1400" b="1" dirty="0">
+                <a:solidFill>
+                  <a:schemeClr val="tx1"/>
+                </a:solidFill>
+                <a:cs typeface="Arial" pitchFamily="34" charset="0"/>
+              </a:rPr>
+              <a:t>Bob</a:t>
+            </a:r>
+            <a:r>
+              <a:rPr lang="en-GB" sz="1400" dirty="0">
+                <a:solidFill>
+                  <a:schemeClr val="tx1"/>
+                </a:solidFill>
+                <a:cs typeface="Arial" pitchFamily="34" charset="0"/>
+              </a:rPr>
+              <a:t>"</a:t>
             </a:r>
           </a:p>
         </p:txBody>
@@ -26353,7 +26403,25 @@
                 </a:solidFill>
                 <a:cs typeface="Arial" pitchFamily="34" charset="0"/>
               </a:rPr>
-              <a:t>"Bobby"</a:t>
+              <a:t>"</a:t>
+            </a:r>
+            <a:r>
+              <a:rPr lang="en-GB" sz="1400" b="1" dirty="0">
+                <a:solidFill>
+                  <a:schemeClr val="tx1"/>
+                </a:solidFill>
+                <a:cs typeface="Arial" pitchFamily="34" charset="0"/>
+              </a:rPr>
+              <a:t>Bobby</a:t>
+            </a:r>
+            <a:r>
+              <a:rPr lang="en-GB" sz="1400" dirty="0">
+                <a:solidFill>
+                  <a:schemeClr val="tx1"/>
+                </a:solidFill>
+                <a:cs typeface="Arial" pitchFamily="34" charset="0"/>
+              </a:rPr>
+              <a:t>"</a:t>
             </a:r>
           </a:p>
         </p:txBody>
@@ -26419,6 +26487,13 @@
               <a:srgbClr val="7E007C"/>
             </a:solidFill>
           </a:ln>
+          <a:effectLst>
+            <a:innerShdw blurRad="63500" dist="50800" dir="13500000">
+              <a:prstClr val="black">
+                <a:alpha val="50000"/>
+              </a:prstClr>
+            </a:innerShdw>
+          </a:effectLst>
         </p:spPr>
         <p:style>
           <a:lnRef idx="2">
@@ -26595,6 +26670,13 @@
               <a:srgbClr val="7E007C"/>
             </a:solidFill>
           </a:ln>
+          <a:effectLst>
+            <a:innerShdw blurRad="63500" dist="50800" dir="13500000">
+              <a:prstClr val="black">
+                <a:alpha val="50000"/>
+              </a:prstClr>
+            </a:innerShdw>
+          </a:effectLst>
         </p:spPr>
         <p:style>
           <a:lnRef idx="2">
@@ -26644,12 +26726,17 @@
             <a:avLst/>
           </a:prstGeom>
           <a:solidFill>
-            <a:schemeClr val="bg1"/>
+            <a:schemeClr val="bg2">
+              <a:lumMod val="95000"/>
+            </a:schemeClr>
           </a:solidFill>
           <a:ln w="19050">
             <a:solidFill>
-              <a:srgbClr val="7E007C"/>
+              <a:schemeClr val="bg1">
+                <a:lumMod val="50000"/>
+              </a:schemeClr>
             </a:solidFill>
+            <a:prstDash val="sysDash"/>
           </a:ln>
         </p:spPr>
         <p:style>
@@ -26736,7 +26823,25 @@
                 </a:solidFill>
                 <a:cs typeface="Arial" pitchFamily="34" charset="0"/>
               </a:rPr>
-              <a:t>"Bobby"</a:t>
+              <a:t>"</a:t>
+            </a:r>
+            <a:r>
+              <a:rPr lang="en-GB" sz="1400" b="1" dirty="0">
+                <a:solidFill>
+                  <a:schemeClr val="tx1"/>
+                </a:solidFill>
+                <a:cs typeface="Arial" pitchFamily="34" charset="0"/>
+              </a:rPr>
+              <a:t>Bobby</a:t>
+            </a:r>
+            <a:r>
+              <a:rPr lang="en-GB" sz="1400" dirty="0">
+                <a:solidFill>
+                  <a:schemeClr val="tx1"/>
+                </a:solidFill>
+                <a:cs typeface="Arial" pitchFamily="34" charset="0"/>
+              </a:rPr>
+              <a:t>"</a:t>
             </a:r>
           </a:p>
         </p:txBody>
@@ -26839,6 +26944,47 @@
           </a:p>
         </p:txBody>
       </p:sp>
+      <p:cxnSp>
+        <p:nvCxnSpPr>
+          <p:cNvPr id="9" name="Straight Arrow Connector 8">
+            <a:extLst>
+              <a:ext uri="{FF2B5EF4-FFF2-40B4-BE49-F238E27FC236}">
+                <a16:creationId xmlns:a16="http://schemas.microsoft.com/office/drawing/2014/main" id="{004E3EA8-F885-57D6-EB0D-34A01879D602}"/>
+              </a:ext>
+            </a:extLst>
+          </p:cNvPr>
+          <p:cNvCxnSpPr>
+            <a:cxnSpLocks/>
+          </p:cNvCxnSpPr>
+          <p:nvPr/>
+        </p:nvCxnSpPr>
+        <p:spPr>
+          <a:xfrm flipV="1">
+            <a:off x="7316950" y="4466893"/>
+            <a:ext cx="960779" cy="1232193"/>
+          </a:xfrm>
+          <a:prstGeom prst="straightConnector1">
+            <a:avLst/>
+          </a:prstGeom>
+          <a:ln w="19050">
+            <a:tailEnd type="triangle"/>
+          </a:ln>
+        </p:spPr>
+        <p:style>
+          <a:lnRef idx="1">
+            <a:schemeClr val="accent1"/>
+          </a:lnRef>
+          <a:fillRef idx="0">
+            <a:schemeClr val="accent1"/>
+          </a:fillRef>
+          <a:effectRef idx="0">
+            <a:schemeClr val="accent1"/>
+          </a:effectRef>
+          <a:fontRef idx="minor">
+            <a:schemeClr val="tx1"/>
+          </a:fontRef>
+        </p:style>
+      </p:cxnSp>
     </p:spTree>
     <p:extLst>
       <p:ext uri="{BB962C8B-B14F-4D97-AF65-F5344CB8AC3E}">
@@ -27272,15 +27418,33 @@
                                   </p:childTnLst>
                                 </p:cTn>
                               </p:par>
+                            </p:childTnLst>
+                          </p:cTn>
+                        </p:par>
+                      </p:childTnLst>
+                    </p:cTn>
+                  </p:par>
+                  <p:par>
+                    <p:cTn id="40" fill="hold">
+                      <p:stCondLst>
+                        <p:cond delay="indefinite"/>
+                      </p:stCondLst>
+                      <p:childTnLst>
+                        <p:par>
+                          <p:cTn id="41" fill="hold">
+                            <p:stCondLst>
+                              <p:cond delay="0"/>
+                            </p:stCondLst>
+                            <p:childTnLst>
                               <p:par>
-                                <p:cTn id="40" presetID="10" presetClass="entr" presetSubtype="0" fill="hold" grpId="0" nodeType="withEffect">
+                                <p:cTn id="42" presetID="10" presetClass="entr" presetSubtype="0" fill="hold" grpId="0" nodeType="clickEffect">
                                   <p:stCondLst>
                                     <p:cond delay="0"/>
                                   </p:stCondLst>
                                   <p:childTnLst>
                                     <p:set>
                                       <p:cBhvr>
-                                        <p:cTn id="41" dur="1" fill="hold">
+                                        <p:cTn id="43" dur="1" fill="hold">
                                           <p:stCondLst>
                                             <p:cond delay="0"/>
                                           </p:stCondLst>
@@ -27298,7 +27462,7 @@
                                     </p:set>
                                     <p:animEffect transition="in" filter="fade">
                                       <p:cBhvr>
-                                        <p:cTn id="42" dur="500"/>
+                                        <p:cTn id="44" dur="500"/>
                                         <p:tgtEl>
                                           <p:spTgt spid="26"/>
                                         </p:tgtEl>
@@ -27308,14 +27472,14 @@
                                 </p:cTn>
                               </p:par>
                               <p:par>
-                                <p:cTn id="43" presetID="10" presetClass="entr" presetSubtype="0" fill="hold" nodeType="withEffect">
+                                <p:cTn id="45" presetID="10" presetClass="entr" presetSubtype="0" fill="hold" nodeType="withEffect">
                                   <p:stCondLst>
                                     <p:cond delay="0"/>
                                   </p:stCondLst>
                                   <p:childTnLst>
                                     <p:set>
                                       <p:cBhvr>
-                                        <p:cTn id="44" dur="1" fill="hold">
+                                        <p:cTn id="46" dur="1" fill="hold">
                                           <p:stCondLst>
                                             <p:cond delay="0"/>
                                           </p:stCondLst>
@@ -27333,7 +27497,7 @@
                                     </p:set>
                                     <p:animEffect transition="in" filter="fade">
                                       <p:cBhvr>
-                                        <p:cTn id="45" dur="500"/>
+                                        <p:cTn id="47" dur="500"/>
                                         <p:tgtEl>
                                           <p:spTgt spid="27"/>
                                         </p:tgtEl>
@@ -27343,14 +27507,14 @@
                                 </p:cTn>
                               </p:par>
                               <p:par>
-                                <p:cTn id="46" presetID="10" presetClass="entr" presetSubtype="0" fill="hold" grpId="0" nodeType="withEffect">
+                                <p:cTn id="48" presetID="10" presetClass="entr" presetSubtype="0" fill="hold" grpId="0" nodeType="withEffect">
                                   <p:stCondLst>
                                     <p:cond delay="0"/>
                                   </p:stCondLst>
                                   <p:childTnLst>
                                     <p:set>
                                       <p:cBhvr>
-                                        <p:cTn id="47" dur="1" fill="hold">
+                                        <p:cTn id="49" dur="1" fill="hold">
                                           <p:stCondLst>
                                             <p:cond delay="0"/>
                                           </p:stCondLst>
@@ -27368,9 +27532,44 @@
                                     </p:set>
                                     <p:animEffect transition="in" filter="fade">
                                       <p:cBhvr>
-                                        <p:cTn id="48" dur="500"/>
+                                        <p:cTn id="50" dur="500"/>
                                         <p:tgtEl>
                                           <p:spTgt spid="28"/>
+                                        </p:tgtEl>
+                                      </p:cBhvr>
+                                    </p:animEffect>
+                                  </p:childTnLst>
+                                </p:cTn>
+                              </p:par>
+                              <p:par>
+                                <p:cTn id="51" presetID="10" presetClass="entr" presetSubtype="0" fill="hold" nodeType="withEffect">
+                                  <p:stCondLst>
+                                    <p:cond delay="0"/>
+                                  </p:stCondLst>
+                                  <p:childTnLst>
+                                    <p:set>
+                                      <p:cBhvr>
+                                        <p:cTn id="52" dur="1" fill="hold">
+                                          <p:stCondLst>
+                                            <p:cond delay="0"/>
+                                          </p:stCondLst>
+                                        </p:cTn>
+                                        <p:tgtEl>
+                                          <p:spTgt spid="9"/>
+                                        </p:tgtEl>
+                                        <p:attrNameLst>
+                                          <p:attrName>style.visibility</p:attrName>
+                                        </p:attrNameLst>
+                                      </p:cBhvr>
+                                      <p:to>
+                                        <p:strVal val="visible"/>
+                                      </p:to>
+                                    </p:set>
+                                    <p:animEffect transition="in" filter="fade">
+                                      <p:cBhvr>
+                                        <p:cTn id="53" dur="500"/>
+                                        <p:tgtEl>
+                                          <p:spTgt spid="9"/>
                                         </p:tgtEl>
                                       </p:cBhvr>
                                     </p:animEffect>
@@ -28747,7 +28946,7 @@
         </p:nvSpPr>
         <p:spPr>
           <a:xfrm>
-            <a:off x="2029326" y="2957025"/>
+            <a:off x="1186178" y="2957025"/>
             <a:ext cx="5414212" cy="830997"/>
           </a:xfrm>
           <a:prstGeom prst="rect">
@@ -28949,179 +29148,13 @@
       </p:sp>
       <p:sp>
         <p:nvSpPr>
-          <p:cNvPr id="5" name="Rounded Rectangle 4"/>
-          <p:cNvSpPr/>
-          <p:nvPr/>
-        </p:nvSpPr>
-        <p:spPr>
-          <a:xfrm>
-            <a:off x="7636043" y="3056496"/>
-            <a:ext cx="753979" cy="292388"/>
-          </a:xfrm>
-          <a:prstGeom prst="roundRect">
-            <a:avLst/>
-          </a:prstGeom>
-          <a:solidFill>
-            <a:schemeClr val="tx1">
-              <a:lumMod val="10000"/>
-              <a:lumOff val="90000"/>
-            </a:schemeClr>
-          </a:solidFill>
-          <a:ln w="19050">
-            <a:noFill/>
-          </a:ln>
-          <a:effectLst>
-            <a:innerShdw blurRad="63500" dist="50800" dir="16200000">
-              <a:prstClr val="black">
-                <a:alpha val="50000"/>
-              </a:prstClr>
-            </a:innerShdw>
-          </a:effectLst>
-        </p:spPr>
-        <p:style>
-          <a:lnRef idx="2">
-            <a:schemeClr val="accent1">
-              <a:shade val="50000"/>
-            </a:schemeClr>
-          </a:lnRef>
-          <a:fillRef idx="1">
-            <a:schemeClr val="accent1"/>
-          </a:fillRef>
-          <a:effectRef idx="0">
-            <a:schemeClr val="accent1"/>
-          </a:effectRef>
-          <a:fontRef idx="minor">
-            <a:schemeClr val="lt1"/>
-          </a:fontRef>
-        </p:style>
-        <p:txBody>
-          <a:bodyPr rtlCol="0" anchor="ctr"/>
-          <a:lstStyle/>
-          <a:p>
-            <a:pPr algn="ctr"/>
-            <a:r>
-              <a:rPr lang="en-GB" sz="1600" dirty="0" err="1">
-                <a:solidFill>
-                  <a:schemeClr val="tx1"/>
-                </a:solidFill>
-                <a:latin typeface="Arial" pitchFamily="34" charset="0"/>
-                <a:cs typeface="Arial" pitchFamily="34" charset="0"/>
-              </a:rPr>
-              <a:t>sb</a:t>
-            </a:r>
-            <a:endParaRPr lang="en-GB" sz="1600" dirty="0">
-              <a:solidFill>
-                <a:schemeClr val="tx1"/>
-              </a:solidFill>
-              <a:latin typeface="Arial" pitchFamily="34" charset="0"/>
-              <a:cs typeface="Arial" pitchFamily="34" charset="0"/>
-            </a:endParaRPr>
-          </a:p>
-        </p:txBody>
-      </p:sp>
-      <p:sp>
-        <p:nvSpPr>
-          <p:cNvPr id="6" name="Oval 5"/>
-          <p:cNvSpPr/>
-          <p:nvPr/>
-        </p:nvSpPr>
-        <p:spPr>
-          <a:xfrm>
-            <a:off x="8935453" y="2788862"/>
-            <a:ext cx="1491914" cy="641680"/>
-          </a:xfrm>
-          <a:prstGeom prst="ellipse">
-            <a:avLst/>
-          </a:prstGeom>
-          <a:solidFill>
-            <a:schemeClr val="accent1">
-              <a:lumMod val="20000"/>
-              <a:lumOff val="80000"/>
-            </a:schemeClr>
-          </a:solidFill>
-        </p:spPr>
-        <p:style>
-          <a:lnRef idx="2">
-            <a:schemeClr val="accent1">
-              <a:shade val="50000"/>
-            </a:schemeClr>
-          </a:lnRef>
-          <a:fillRef idx="1">
-            <a:schemeClr val="accent1"/>
-          </a:fillRef>
-          <a:effectRef idx="0">
-            <a:schemeClr val="accent1"/>
-          </a:effectRef>
-          <a:fontRef idx="minor">
-            <a:schemeClr val="lt1"/>
-          </a:fontRef>
-        </p:style>
-        <p:txBody>
-          <a:bodyPr rtlCol="0" anchor="ctr"/>
-          <a:lstStyle/>
-          <a:p>
-            <a:pPr algn="ctr"/>
-            <a:r>
-              <a:rPr lang="en-GB" sz="1600" dirty="0">
-                <a:solidFill>
-                  <a:schemeClr val="tx1"/>
-                </a:solidFill>
-                <a:latin typeface="Arial" pitchFamily="34" charset="0"/>
-                <a:cs typeface="Arial" pitchFamily="34" charset="0"/>
-              </a:rPr>
-              <a:t>"Bob"</a:t>
-            </a:r>
-          </a:p>
-        </p:txBody>
-      </p:sp>
-      <p:cxnSp>
-        <p:nvCxnSpPr>
-          <p:cNvPr id="7" name="Straight Arrow Connector 6"/>
-          <p:cNvCxnSpPr>
-            <a:stCxn id="5" idx="3"/>
-            <a:endCxn id="6" idx="2"/>
-          </p:cNvCxnSpPr>
-          <p:nvPr/>
-        </p:nvCxnSpPr>
-        <p:spPr>
-          <a:xfrm flipV="1">
-            <a:off x="8390021" y="3109702"/>
-            <a:ext cx="545432" cy="92988"/>
-          </a:xfrm>
-          <a:prstGeom prst="straightConnector1">
-            <a:avLst/>
-          </a:prstGeom>
-          <a:ln>
-            <a:solidFill>
-              <a:srgbClr val="004050"/>
-            </a:solidFill>
-            <a:tailEnd type="triangle"/>
-          </a:ln>
-        </p:spPr>
-        <p:style>
-          <a:lnRef idx="3">
-            <a:schemeClr val="accent4"/>
-          </a:lnRef>
-          <a:fillRef idx="0">
-            <a:schemeClr val="accent4"/>
-          </a:fillRef>
-          <a:effectRef idx="2">
-            <a:schemeClr val="accent4"/>
-          </a:effectRef>
-          <a:fontRef idx="minor">
-            <a:schemeClr val="tx1"/>
-          </a:fontRef>
-        </p:style>
-      </p:cxnSp>
-      <p:sp>
-        <p:nvSpPr>
           <p:cNvPr id="8" name="Rectangle 7"/>
           <p:cNvSpPr/>
           <p:nvPr/>
         </p:nvSpPr>
         <p:spPr>
           <a:xfrm>
-            <a:off x="2029326" y="4062484"/>
+            <a:off x="1186178" y="4062484"/>
             <a:ext cx="3449052" cy="338554"/>
           </a:xfrm>
           <a:prstGeom prst="rect">
@@ -29229,30 +29262,38 @@
       </p:sp>
       <p:sp>
         <p:nvSpPr>
-          <p:cNvPr id="9" name="Oval 8"/>
+          <p:cNvPr id="10" name="Rounded Rectangle 28">
+            <a:extLst>
+              <a:ext uri="{FF2B5EF4-FFF2-40B4-BE49-F238E27FC236}">
+                <a16:creationId xmlns:a16="http://schemas.microsoft.com/office/drawing/2014/main" id="{DADA0A2C-FCED-4C89-736B-15F10DB16853}"/>
+              </a:ext>
+            </a:extLst>
+          </p:cNvPr>
           <p:cNvSpPr/>
           <p:nvPr/>
         </p:nvSpPr>
         <p:spPr>
           <a:xfrm>
-            <a:off x="8935453" y="2788862"/>
-            <a:ext cx="1491915" cy="641680"/>
+            <a:off x="7001065" y="2944255"/>
+            <a:ext cx="753979" cy="292388"/>
           </a:xfrm>
-          <a:prstGeom prst="ellipse">
+          <a:prstGeom prst="roundRect">
             <a:avLst/>
           </a:prstGeom>
           <a:solidFill>
             <a:schemeClr val="bg1"/>
           </a:solidFill>
           <a:ln w="19050">
-            <a:noFill/>
+            <a:solidFill>
+              <a:srgbClr val="7E007C"/>
+            </a:solidFill>
           </a:ln>
           <a:effectLst>
-            <a:outerShdw blurRad="50800" dist="38100" algn="l" rotWithShape="0">
+            <a:innerShdw blurRad="63500" dist="50800" dir="13500000">
               <a:prstClr val="black">
-                <a:alpha val="40000"/>
+                <a:alpha val="50000"/>
               </a:prstClr>
-            </a:outerShdw>
+            </a:innerShdw>
           </a:effectLst>
         </p:spPr>
         <p:style>
@@ -29277,15 +29318,146 @@
           <a:p>
             <a:pPr algn="ctr"/>
             <a:r>
-              <a:rPr lang="en-GB" sz="1600" dirty="0">
+              <a:rPr lang="en-GB" b="1" dirty="0" err="1">
                 <a:solidFill>
                   <a:schemeClr val="tx1"/>
                 </a:solidFill>
-                <a:latin typeface="Arial" pitchFamily="34" charset="0"/>
                 <a:cs typeface="Arial" pitchFamily="34" charset="0"/>
               </a:rPr>
-              <a:t>"Bobby"</a:t>
-            </a:r>
+              <a:t>sb</a:t>
+            </a:r>
+            <a:endParaRPr lang="en-GB" b="1" dirty="0">
+              <a:solidFill>
+                <a:schemeClr val="tx1"/>
+              </a:solidFill>
+              <a:cs typeface="Arial" pitchFamily="34" charset="0"/>
+            </a:endParaRPr>
+          </a:p>
+        </p:txBody>
+      </p:sp>
+      <p:cxnSp>
+        <p:nvCxnSpPr>
+          <p:cNvPr id="12" name="Straight Arrow Connector 11">
+            <a:extLst>
+              <a:ext uri="{FF2B5EF4-FFF2-40B4-BE49-F238E27FC236}">
+                <a16:creationId xmlns:a16="http://schemas.microsoft.com/office/drawing/2014/main" id="{4F72EA04-1159-1171-9838-0B0495EB57AD}"/>
+              </a:ext>
+            </a:extLst>
+          </p:cNvPr>
+          <p:cNvCxnSpPr>
+            <a:cxnSpLocks/>
+            <a:stCxn id="10" idx="3"/>
+            <a:endCxn id="17" idx="0"/>
+          </p:cNvCxnSpPr>
+          <p:nvPr/>
+        </p:nvCxnSpPr>
+        <p:spPr>
+          <a:xfrm>
+            <a:off x="7755044" y="3090449"/>
+            <a:ext cx="1638899" cy="708093"/>
+          </a:xfrm>
+          <a:prstGeom prst="straightConnector1">
+            <a:avLst/>
+          </a:prstGeom>
+          <a:ln w="19050">
+            <a:solidFill>
+              <a:srgbClr val="7E007C"/>
+            </a:solidFill>
+            <a:tailEnd type="triangle"/>
+          </a:ln>
+        </p:spPr>
+        <p:style>
+          <a:lnRef idx="1">
+            <a:schemeClr val="accent6"/>
+          </a:lnRef>
+          <a:fillRef idx="2">
+            <a:schemeClr val="accent6"/>
+          </a:fillRef>
+          <a:effectRef idx="1">
+            <a:schemeClr val="accent6"/>
+          </a:effectRef>
+          <a:fontRef idx="minor">
+            <a:schemeClr val="dk1"/>
+          </a:fontRef>
+        </p:style>
+      </p:cxnSp>
+      <p:sp>
+        <p:nvSpPr>
+          <p:cNvPr id="17" name="Rectangle 16">
+            <a:extLst>
+              <a:ext uri="{FF2B5EF4-FFF2-40B4-BE49-F238E27FC236}">
+                <a16:creationId xmlns:a16="http://schemas.microsoft.com/office/drawing/2014/main" id="{3BBD2C34-461F-3EF1-6FD2-60CB9A66160A}"/>
+              </a:ext>
+            </a:extLst>
+          </p:cNvPr>
+          <p:cNvSpPr/>
+          <p:nvPr/>
+        </p:nvSpPr>
+        <p:spPr>
+          <a:xfrm>
+            <a:off x="7001065" y="3798542"/>
+            <a:ext cx="4785755" cy="819397"/>
+          </a:xfrm>
+          <a:prstGeom prst="rect">
+            <a:avLst/>
+          </a:prstGeom>
+          <a:ln/>
+          <a:effectLst>
+            <a:softEdge rad="63500"/>
+          </a:effectLst>
+        </p:spPr>
+        <p:style>
+          <a:lnRef idx="2">
+            <a:schemeClr val="dk1">
+              <a:shade val="15000"/>
+            </a:schemeClr>
+          </a:lnRef>
+          <a:fillRef idx="1">
+            <a:schemeClr val="dk1"/>
+          </a:fillRef>
+          <a:effectRef idx="0">
+            <a:schemeClr val="dk1"/>
+          </a:effectRef>
+          <a:fontRef idx="minor">
+            <a:schemeClr val="lt1"/>
+          </a:fontRef>
+        </p:style>
+        <p:txBody>
+          <a:bodyPr rtlCol="0" anchor="ctr"/>
+          <a:lstStyle/>
+          <a:p>
+            <a:pPr algn="ctr"/>
+            <a:r>
+              <a:rPr lang="en-GB" dirty="0">
+                <a:solidFill>
+                  <a:schemeClr val="bg1"/>
+                </a:solidFill>
+                <a:cs typeface="Arial" pitchFamily="34" charset="0"/>
+              </a:rPr>
+              <a:t>"</a:t>
+            </a:r>
+            <a:r>
+              <a:rPr lang="en-GB" b="1" dirty="0">
+                <a:solidFill>
+                  <a:schemeClr val="bg1"/>
+                </a:solidFill>
+                <a:cs typeface="Arial" pitchFamily="34" charset="0"/>
+              </a:rPr>
+              <a:t>Bob</a:t>
+            </a:r>
+            <a:r>
+              <a:rPr lang="en-GB" dirty="0">
+                <a:solidFill>
+                  <a:schemeClr val="bg1"/>
+                </a:solidFill>
+                <a:cs typeface="Arial" pitchFamily="34" charset="0"/>
+              </a:rPr>
+              <a:t>by🔲🔲🔲🔲🔲🔲🔲🔲🔲🔲🔲"</a:t>
+            </a:r>
+          </a:p>
+          <a:p>
+            <a:pPr algn="ctr"/>
+            <a:endParaRPr lang="en-GB" dirty="0"/>
           </a:p>
         </p:txBody>
       </p:sp>
@@ -29299,6 +29471,127 @@
   <p:clrMapOvr>
     <a:masterClrMapping/>
   </p:clrMapOvr>
+  <p:timing>
+    <p:tnLst>
+      <p:par>
+        <p:cTn id="1" dur="indefinite" restart="never" nodeType="tmRoot">
+          <p:childTnLst>
+            <p:seq concurrent="1" nextAc="seek">
+              <p:cTn id="2" dur="indefinite" nodeType="mainSeq">
+                <p:childTnLst>
+                  <p:par>
+                    <p:cTn id="3" fill="hold">
+                      <p:stCondLst>
+                        <p:cond delay="indefinite"/>
+                      </p:stCondLst>
+                      <p:childTnLst>
+                        <p:par>
+                          <p:cTn id="4" fill="hold">
+                            <p:stCondLst>
+                              <p:cond delay="0"/>
+                            </p:stCondLst>
+                            <p:childTnLst>
+                              <p:par>
+                                <p:cTn id="5" presetID="10" presetClass="entr" presetSubtype="0" fill="hold" grpId="0" nodeType="clickEffect">
+                                  <p:stCondLst>
+                                    <p:cond delay="0"/>
+                                  </p:stCondLst>
+                                  <p:childTnLst>
+                                    <p:set>
+                                      <p:cBhvr>
+                                        <p:cTn id="6" dur="1" fill="hold">
+                                          <p:stCondLst>
+                                            <p:cond delay="0"/>
+                                          </p:stCondLst>
+                                        </p:cTn>
+                                        <p:tgtEl>
+                                          <p:spTgt spid="10"/>
+                                        </p:tgtEl>
+                                        <p:attrNameLst>
+                                          <p:attrName>style.visibility</p:attrName>
+                                        </p:attrNameLst>
+                                      </p:cBhvr>
+                                      <p:to>
+                                        <p:strVal val="visible"/>
+                                      </p:to>
+                                    </p:set>
+                                    <p:animEffect transition="in" filter="fade">
+                                      <p:cBhvr>
+                                        <p:cTn id="7" dur="500"/>
+                                        <p:tgtEl>
+                                          <p:spTgt spid="10"/>
+                                        </p:tgtEl>
+                                      </p:cBhvr>
+                                    </p:animEffect>
+                                  </p:childTnLst>
+                                </p:cTn>
+                              </p:par>
+                              <p:par>
+                                <p:cTn id="8" presetID="10" presetClass="entr" presetSubtype="0" fill="hold" nodeType="withEffect">
+                                  <p:stCondLst>
+                                    <p:cond delay="0"/>
+                                  </p:stCondLst>
+                                  <p:childTnLst>
+                                    <p:set>
+                                      <p:cBhvr>
+                                        <p:cTn id="9" dur="1" fill="hold">
+                                          <p:stCondLst>
+                                            <p:cond delay="0"/>
+                                          </p:stCondLst>
+                                        </p:cTn>
+                                        <p:tgtEl>
+                                          <p:spTgt spid="12"/>
+                                        </p:tgtEl>
+                                        <p:attrNameLst>
+                                          <p:attrName>style.visibility</p:attrName>
+                                        </p:attrNameLst>
+                                      </p:cBhvr>
+                                      <p:to>
+                                        <p:strVal val="visible"/>
+                                      </p:to>
+                                    </p:set>
+                                    <p:animEffect transition="in" filter="fade">
+                                      <p:cBhvr>
+                                        <p:cTn id="10" dur="500"/>
+                                        <p:tgtEl>
+                                          <p:spTgt spid="12"/>
+                                        </p:tgtEl>
+                                      </p:cBhvr>
+                                    </p:animEffect>
+                                  </p:childTnLst>
+                                </p:cTn>
+                              </p:par>
+                            </p:childTnLst>
+                          </p:cTn>
+                        </p:par>
+                      </p:childTnLst>
+                    </p:cTn>
+                  </p:par>
+                </p:childTnLst>
+              </p:cTn>
+              <p:prevCondLst>
+                <p:cond evt="onPrev" delay="0">
+                  <p:tgtEl>
+                    <p:sldTgt/>
+                  </p:tgtEl>
+                </p:cond>
+              </p:prevCondLst>
+              <p:nextCondLst>
+                <p:cond evt="onNext" delay="0">
+                  <p:tgtEl>
+                    <p:sldTgt/>
+                  </p:tgtEl>
+                </p:cond>
+              </p:nextCondLst>
+            </p:seq>
+          </p:childTnLst>
+        </p:cTn>
+      </p:par>
+    </p:tnLst>
+    <p:bldLst>
+      <p:bldP spid="10" grpId="0" animBg="1"/>
+    </p:bldLst>
+  </p:timing>
 </p:sld>
 </file>
 
@@ -31041,6 +31334,32 @@
 </file>
 
 <file path=customXml/item1.xml><?xml version="1.0" encoding="utf-8"?>
+<p:properties xmlns:p="http://schemas.microsoft.com/office/2006/metadata/properties" xmlns:xsi="http://www.w3.org/2001/XMLSchema-instance" xmlns:pc="http://schemas.microsoft.com/office/infopath/2007/PartnerControls">
+  <documentManagement>
+    <SequenceNumber xmlns="6794D9DE-4FDF-4DC0-8B2C-5438320C69D5" xsi:nil="true"/>
+    <IsBuildFile xmlns="6794D9DE-4FDF-4DC0-8B2C-5438320C69D5" xsi:nil="true"/>
+    <BookTypeField0 xmlns="6794D9DE-4FDF-4DC0-8B2C-5438320C69D5">
+      <Terms xmlns="http://schemas.microsoft.com/office/infopath/2007/PartnerControls">
+        <TermInfo xmlns="http://schemas.microsoft.com/office/infopath/2007/PartnerControls">
+          <TermName xmlns="http://schemas.microsoft.com/office/infopath/2007/PartnerControls">IK</TermName>
+          <TermId xmlns="http://schemas.microsoft.com/office/infopath/2007/PartnerControls">5abe6401-e87a-4499-80b4-3d21a1a6ebd7</TermId>
+        </TermInfo>
+      </Terms>
+    </BookTypeField0>
+  </documentManagement>
+</p:properties>
+</file>
+
+<file path=customXml/item2.xml><?xml version="1.0" encoding="utf-8"?>
+<?mso-contentType ?>
+<FormTemplates xmlns="http://schemas.microsoft.com/sharepoint/v3/contenttype/forms">
+  <Display>DocumentLibraryForm</Display>
+  <Edit>DocumentLibraryForm</Edit>
+  <New>DocumentLibraryForm</New>
+</FormTemplates>
+</file>
+
+<file path=customXml/item3.xml><?xml version="1.0" encoding="utf-8"?>
 <ct:contentTypeSchema xmlns:ct="http://schemas.microsoft.com/office/2006/metadata/contentType" xmlns:ma="http://schemas.microsoft.com/office/2006/metadata/properties/metaAttributes" ct:_="" ma:_="" ma:contentTypeName="Courseware" ma:contentTypeID="0x010100F0967B7CEE8D417F966757887D9466FB00B3EF5B1D149FDF49B1880C030D548140" ma:contentTypeVersion="0" ma:contentTypeDescription="Base content type which represents courseware documents" ma:contentTypeScope="" ma:versionID="ab0d7ca79e0ea5a537b031f986da336c">
   <xsd:schema xmlns:xsd="http://www.w3.org/2001/XMLSchema" xmlns:xs="http://www.w3.org/2001/XMLSchema" xmlns:p="http://schemas.microsoft.com/office/2006/metadata/properties" xmlns:ns2="6794D9DE-4FDF-4DC0-8B2C-5438320C69D5" targetNamespace="http://schemas.microsoft.com/office/2006/metadata/properties" ma:root="true" ma:fieldsID="7ff8e7c62cc10108c036e94c947d8fb9" ns2:_="">
     <xsd:import namespace="6794D9DE-4FDF-4DC0-8B2C-5438320C69D5"/>
@@ -31180,33 +31499,25 @@
 </ct:contentTypeSchema>
 </file>
 
-<file path=customXml/item2.xml><?xml version="1.0" encoding="utf-8"?>
-<?mso-contentType ?>
-<FormTemplates xmlns="http://schemas.microsoft.com/sharepoint/v3/contenttype/forms">
-  <Display>DocumentLibraryForm</Display>
-  <Edit>DocumentLibraryForm</Edit>
-  <New>DocumentLibraryForm</New>
-</FormTemplates>
+<file path=customXml/itemProps1.xml><?xml version="1.0" encoding="utf-8"?>
+<ds:datastoreItem xmlns:ds="http://schemas.openxmlformats.org/officeDocument/2006/customXml" ds:itemID="{E9DDB195-2A36-4352-B80E-2793AA1BAD86}">
+  <ds:schemaRefs>
+    <ds:schemaRef ds:uri="http://schemas.microsoft.com/office/2006/metadata/properties"/>
+    <ds:schemaRef ds:uri="http://schemas.microsoft.com/office/infopath/2007/PartnerControls"/>
+    <ds:schemaRef ds:uri="6794D9DE-4FDF-4DC0-8B2C-5438320C69D5"/>
+  </ds:schemaRefs>
+</ds:datastoreItem>
 </file>
 
-<file path=customXml/item3.xml><?xml version="1.0" encoding="utf-8"?>
-<p:properties xmlns:p="http://schemas.microsoft.com/office/2006/metadata/properties" xmlns:xsi="http://www.w3.org/2001/XMLSchema-instance" xmlns:pc="http://schemas.microsoft.com/office/infopath/2007/PartnerControls">
-  <documentManagement>
-    <SequenceNumber xmlns="6794D9DE-4FDF-4DC0-8B2C-5438320C69D5" xsi:nil="true"/>
-    <IsBuildFile xmlns="6794D9DE-4FDF-4DC0-8B2C-5438320C69D5" xsi:nil="true"/>
-    <BookTypeField0 xmlns="6794D9DE-4FDF-4DC0-8B2C-5438320C69D5">
-      <Terms xmlns="http://schemas.microsoft.com/office/infopath/2007/PartnerControls">
-        <TermInfo xmlns="http://schemas.microsoft.com/office/infopath/2007/PartnerControls">
-          <TermName xmlns="http://schemas.microsoft.com/office/infopath/2007/PartnerControls">IK</TermName>
-          <TermId xmlns="http://schemas.microsoft.com/office/infopath/2007/PartnerControls">5abe6401-e87a-4499-80b4-3d21a1a6ebd7</TermId>
-        </TermInfo>
-      </Terms>
-    </BookTypeField0>
-  </documentManagement>
-</p:properties>
+<file path=customXml/itemProps2.xml><?xml version="1.0" encoding="utf-8"?>
+<ds:datastoreItem xmlns:ds="http://schemas.openxmlformats.org/officeDocument/2006/customXml" ds:itemID="{D6E1CB9A-5EC4-425A-85D0-28DD43E2C0C8}">
+  <ds:schemaRefs>
+    <ds:schemaRef ds:uri="http://schemas.microsoft.com/sharepoint/v3/contenttype/forms"/>
+  </ds:schemaRefs>
+</ds:datastoreItem>
 </file>
 
-<file path=customXml/itemProps1.xml><?xml version="1.0" encoding="utf-8"?>
+<file path=customXml/itemProps3.xml><?xml version="1.0" encoding="utf-8"?>
 <ds:datastoreItem xmlns:ds="http://schemas.openxmlformats.org/officeDocument/2006/customXml" ds:itemID="{DBD51E68-90DB-4350-A500-7CA85ABA4F4A}">
   <ds:schemaRefs>
     <ds:schemaRef ds:uri="http://schemas.microsoft.com/office/2006/metadata/contentType"/>
@@ -31222,22 +31533,4 @@
     <ds:schemaRef ds:uri="http://schemas.microsoft.com/internal/obd"/>
   </ds:schemaRefs>
 </ds:datastoreItem>
-</file>
-
-<file path=customXml/itemProps2.xml><?xml version="1.0" encoding="utf-8"?>
-<ds:datastoreItem xmlns:ds="http://schemas.openxmlformats.org/officeDocument/2006/customXml" ds:itemID="{D6E1CB9A-5EC4-425A-85D0-28DD43E2C0C8}">
-  <ds:schemaRefs>
-    <ds:schemaRef ds:uri="http://schemas.microsoft.com/sharepoint/v3/contenttype/forms"/>
-  </ds:schemaRefs>
-</ds:datastoreItem>
-</file>
-
-<file path=customXml/itemProps3.xml><?xml version="1.0" encoding="utf-8"?>
-<ds:datastoreItem xmlns:ds="http://schemas.openxmlformats.org/officeDocument/2006/customXml" ds:itemID="{E9DDB195-2A36-4352-B80E-2793AA1BAD86}">
-  <ds:schemaRefs>
-    <ds:schemaRef ds:uri="http://schemas.microsoft.com/office/2006/metadata/properties"/>
-    <ds:schemaRef ds:uri="http://schemas.microsoft.com/office/infopath/2007/PartnerControls"/>
-    <ds:schemaRef ds:uri="6794D9DE-4FDF-4DC0-8B2C-5438320C69D5"/>
-  </ds:schemaRefs>
-</ds:datastoreItem>
 </file>